--- a/Muhammad Iqbal_Deck - Adidas Sales Analysis (US).pptx
+++ b/Muhammad Iqbal_Deck - Adidas Sales Analysis (US).pptx
@@ -4250,9 +4250,9 @@
         <p:grpSpPr>
           <a:xfrm>
             <a:off x="1642872" y="3408638"/>
-            <a:ext cx="9647035" cy="2922425"/>
+            <a:ext cx="9647035" cy="3199424"/>
             <a:chOff x="469238" y="2676634"/>
-            <a:chExt cx="9647035" cy="2922425"/>
+            <a:chExt cx="9647035" cy="3199424"/>
           </a:xfrm>
         </p:grpSpPr>
         <p:pic>
@@ -4304,8 +4304,8 @@
           </p:nvSpPr>
           <p:spPr>
             <a:xfrm>
-              <a:off x="4097438" y="5229727"/>
-              <a:ext cx="1504709" cy="369332"/>
+              <a:off x="4027302" y="5229727"/>
+              <a:ext cx="1790128" cy="646331"/>
             </a:xfrm>
             <a:prstGeom prst="rect">
               <a:avLst/>
@@ -4319,9 +4319,7 @@
             <a:lstStyle/>
             <a:p>
               <a:r>
-                <a:rPr lang="en-US" sz="1800" dirty="0" err="1">
-                  <a:latin typeface="Arial" panose="020B0604020202020204" pitchFamily="34" charset="0"/>
-                  <a:cs typeface="Arial" panose="020B0604020202020204" pitchFamily="34" charset="0"/>
+                <a:rPr lang="en-ID" dirty="0" err="1">
                   <a:hlinkClick r:id="rId3">
                     <a:extLst>
                       <a:ext uri="{A12FA001-AC4F-418D-AE19-62706E023703}">
@@ -4330,8 +4328,11 @@
                     </a:extLst>
                   </a:hlinkClick>
                 </a:rPr>
-                <a:t>iqballearning</a:t>
+                <a:t>iqbalstilllearning</a:t>
               </a:r>
+              <a:endParaRPr lang="en-ID" dirty="0"/>
+            </a:p>
+            <a:p>
               <a:endParaRPr lang="en-ID" dirty="0"/>
             </a:p>
           </p:txBody>
@@ -4351,7 +4352,7 @@
           <p:spPr>
             <a:xfrm>
               <a:off x="798654" y="5229727"/>
-              <a:ext cx="6157730" cy="369332"/>
+              <a:ext cx="2284752" cy="369332"/>
             </a:xfrm>
             <a:prstGeom prst="rect">
               <a:avLst/>
@@ -4716,7 +4717,7 @@
             <a:r>
               <a:rPr lang="en-US" sz="1200" dirty="0">
                 <a:solidFill>
-                  <a:srgbClr val="FF0000"/>
+                  <a:srgbClr val="C00000"/>
                 </a:solidFill>
                 <a:latin typeface="Arial" panose="020B0604020202020204" pitchFamily="34" charset="0"/>
                 <a:cs typeface="Arial" panose="020B0604020202020204" pitchFamily="34" charset="0"/>
@@ -4735,8 +4736,22 @@
                 <a:latin typeface="Arial" panose="020B0604020202020204" pitchFamily="34" charset="0"/>
                 <a:cs typeface="Arial" panose="020B0604020202020204" pitchFamily="34" charset="0"/>
               </a:rPr>
-              <a:t>).</a:t>
-            </a:r>
+              <a:t>)</a:t>
+            </a:r>
+            <a:r>
+              <a:rPr lang="en-US" sz="1200" dirty="0">
+                <a:solidFill>
+                  <a:srgbClr val="FF0000"/>
+                </a:solidFill>
+                <a:latin typeface="Arial" panose="020B0604020202020204" pitchFamily="34" charset="0"/>
+                <a:cs typeface="Arial" panose="020B0604020202020204" pitchFamily="34" charset="0"/>
+              </a:rPr>
+              <a:t>.</a:t>
+            </a:r>
+            <a:endParaRPr lang="en-US" sz="1200" dirty="0">
+              <a:latin typeface="Arial" panose="020B0604020202020204" pitchFamily="34" charset="0"/>
+              <a:cs typeface="Arial" panose="020B0604020202020204" pitchFamily="34" charset="0"/>
+            </a:endParaRPr>
           </a:p>
           <a:p>
             <a:pPr marL="171450" indent="-171450" algn="just">
@@ -5086,7 +5101,7 @@
         </p:blipFill>
         <p:spPr>
           <a:xfrm>
-            <a:off x="-3027680" y="1158240"/>
+            <a:off x="0" y="0"/>
             <a:ext cx="12192000" cy="6858000"/>
           </a:xfrm>
           <a:prstGeom prst="rect">
